--- a/About.pptx
+++ b/About.pptx
@@ -270,7 +270,7 @@
           <a:p>
             <a:fld id="{F44BC968-57B1-4B4F-B641-0DE21603F4F6}" type="datetimeFigureOut">
               <a:rPr lang="en-IN" smtClean="0"/>
-              <a:t>20-11-2023</a:t>
+              <a:t>15/08/24</a:t>
             </a:fld>
             <a:endParaRPr lang="en-IN"/>
           </a:p>
@@ -470,7 +470,7 @@
           <a:p>
             <a:fld id="{F44BC968-57B1-4B4F-B641-0DE21603F4F6}" type="datetimeFigureOut">
               <a:rPr lang="en-IN" smtClean="0"/>
-              <a:t>20-11-2023</a:t>
+              <a:t>15/08/24</a:t>
             </a:fld>
             <a:endParaRPr lang="en-IN"/>
           </a:p>
@@ -680,7 +680,7 @@
           <a:p>
             <a:fld id="{F44BC968-57B1-4B4F-B641-0DE21603F4F6}" type="datetimeFigureOut">
               <a:rPr lang="en-IN" smtClean="0"/>
-              <a:t>20-11-2023</a:t>
+              <a:t>15/08/24</a:t>
             </a:fld>
             <a:endParaRPr lang="en-IN"/>
           </a:p>
@@ -880,7 +880,7 @@
           <a:p>
             <a:fld id="{F44BC968-57B1-4B4F-B641-0DE21603F4F6}" type="datetimeFigureOut">
               <a:rPr lang="en-IN" smtClean="0"/>
-              <a:t>20-11-2023</a:t>
+              <a:t>15/08/24</a:t>
             </a:fld>
             <a:endParaRPr lang="en-IN"/>
           </a:p>
@@ -1156,7 +1156,7 @@
           <a:p>
             <a:fld id="{F44BC968-57B1-4B4F-B641-0DE21603F4F6}" type="datetimeFigureOut">
               <a:rPr lang="en-IN" smtClean="0"/>
-              <a:t>20-11-2023</a:t>
+              <a:t>15/08/24</a:t>
             </a:fld>
             <a:endParaRPr lang="en-IN"/>
           </a:p>
@@ -1424,7 +1424,7 @@
           <a:p>
             <a:fld id="{F44BC968-57B1-4B4F-B641-0DE21603F4F6}" type="datetimeFigureOut">
               <a:rPr lang="en-IN" smtClean="0"/>
-              <a:t>20-11-2023</a:t>
+              <a:t>15/08/24</a:t>
             </a:fld>
             <a:endParaRPr lang="en-IN"/>
           </a:p>
@@ -1839,7 +1839,7 @@
           <a:p>
             <a:fld id="{F44BC968-57B1-4B4F-B641-0DE21603F4F6}" type="datetimeFigureOut">
               <a:rPr lang="en-IN" smtClean="0"/>
-              <a:t>20-11-2023</a:t>
+              <a:t>15/08/24</a:t>
             </a:fld>
             <a:endParaRPr lang="en-IN"/>
           </a:p>
@@ -1981,7 +1981,7 @@
           <a:p>
             <a:fld id="{F44BC968-57B1-4B4F-B641-0DE21603F4F6}" type="datetimeFigureOut">
               <a:rPr lang="en-IN" smtClean="0"/>
-              <a:t>20-11-2023</a:t>
+              <a:t>15/08/24</a:t>
             </a:fld>
             <a:endParaRPr lang="en-IN"/>
           </a:p>
@@ -2094,7 +2094,7 @@
           <a:p>
             <a:fld id="{F44BC968-57B1-4B4F-B641-0DE21603F4F6}" type="datetimeFigureOut">
               <a:rPr lang="en-IN" smtClean="0"/>
-              <a:t>20-11-2023</a:t>
+              <a:t>15/08/24</a:t>
             </a:fld>
             <a:endParaRPr lang="en-IN"/>
           </a:p>
@@ -2407,7 +2407,7 @@
           <a:p>
             <a:fld id="{F44BC968-57B1-4B4F-B641-0DE21603F4F6}" type="datetimeFigureOut">
               <a:rPr lang="en-IN" smtClean="0"/>
-              <a:t>20-11-2023</a:t>
+              <a:t>15/08/24</a:t>
             </a:fld>
             <a:endParaRPr lang="en-IN"/>
           </a:p>
@@ -2696,7 +2696,7 @@
           <a:p>
             <a:fld id="{F44BC968-57B1-4B4F-B641-0DE21603F4F6}" type="datetimeFigureOut">
               <a:rPr lang="en-IN" smtClean="0"/>
-              <a:t>20-11-2023</a:t>
+              <a:t>15/08/24</a:t>
             </a:fld>
             <a:endParaRPr lang="en-IN"/>
           </a:p>
@@ -2939,7 +2939,7 @@
           <a:p>
             <a:fld id="{F44BC968-57B1-4B4F-B641-0DE21603F4F6}" type="datetimeFigureOut">
               <a:rPr lang="en-IN" smtClean="0"/>
-              <a:t>20-11-2023</a:t>
+              <a:t>15/08/24</a:t>
             </a:fld>
             <a:endParaRPr lang="en-IN"/>
           </a:p>
@@ -3345,7 +3345,7 @@
     <p:bg>
       <p:bgPr>
         <a:solidFill>
-          <a:srgbClr val="C00000"/>
+          <a:srgbClr val="821918"/>
         </a:solidFill>
         <a:effectLst/>
       </p:bgPr>
@@ -3385,9 +3385,7 @@
             <a:avLst/>
           </a:prstGeom>
           <a:solidFill>
-            <a:schemeClr val="bg2">
-              <a:lumMod val="25000"/>
-            </a:schemeClr>
+            <a:srgbClr val="B08A4B"/>
           </a:solidFill>
         </p:spPr>
         <p:style>
@@ -3436,9 +3434,7 @@
             <a:avLst/>
           </a:prstGeom>
           <a:solidFill>
-            <a:schemeClr val="bg2">
-              <a:lumMod val="25000"/>
-            </a:schemeClr>
+            <a:srgbClr val="B08A4B"/>
           </a:solidFill>
         </p:spPr>
         <p:style>
@@ -3593,7 +3589,7 @@
     <p:bg>
       <p:bgPr>
         <a:solidFill>
-          <a:srgbClr val="C00000"/>
+          <a:srgbClr val="821918"/>
         </a:solidFill>
         <a:effectLst/>
       </p:bgPr>
@@ -3633,9 +3629,7 @@
             <a:avLst/>
           </a:prstGeom>
           <a:solidFill>
-            <a:schemeClr val="bg2">
-              <a:lumMod val="25000"/>
-            </a:schemeClr>
+            <a:srgbClr val="B08A4B"/>
           </a:solidFill>
         </p:spPr>
         <p:style>
@@ -3684,9 +3678,7 @@
             <a:avLst/>
           </a:prstGeom>
           <a:solidFill>
-            <a:schemeClr val="bg2">
-              <a:lumMod val="25000"/>
-            </a:schemeClr>
+            <a:srgbClr val="B08A4B"/>
           </a:solidFill>
         </p:spPr>
         <p:style>
@@ -3946,7 +3938,7 @@
     <p:bg>
       <p:bgPr>
         <a:solidFill>
-          <a:srgbClr val="C00000"/>
+          <a:srgbClr val="821918"/>
         </a:solidFill>
         <a:effectLst/>
       </p:bgPr>
@@ -3986,9 +3978,7 @@
             <a:avLst/>
           </a:prstGeom>
           <a:solidFill>
-            <a:schemeClr val="bg2">
-              <a:lumMod val="25000"/>
-            </a:schemeClr>
+            <a:srgbClr val="B08A4B"/>
           </a:solidFill>
         </p:spPr>
         <p:style>
@@ -4037,9 +4027,7 @@
             <a:avLst/>
           </a:prstGeom>
           <a:solidFill>
-            <a:schemeClr val="bg2">
-              <a:lumMod val="25000"/>
-            </a:schemeClr>
+            <a:srgbClr val="B08A4B"/>
           </a:solidFill>
         </p:spPr>
         <p:style>
@@ -4271,7 +4259,7 @@
     <p:bg>
       <p:bgPr>
         <a:solidFill>
-          <a:srgbClr val="C00000"/>
+          <a:srgbClr val="821918"/>
         </a:solidFill>
         <a:effectLst/>
       </p:bgPr>
@@ -4311,9 +4299,7 @@
             <a:avLst/>
           </a:prstGeom>
           <a:solidFill>
-            <a:schemeClr val="bg2">
-              <a:lumMod val="25000"/>
-            </a:schemeClr>
+            <a:srgbClr val="B08A4B"/>
           </a:solidFill>
         </p:spPr>
         <p:style>
@@ -4362,9 +4348,7 @@
             <a:avLst/>
           </a:prstGeom>
           <a:solidFill>
-            <a:schemeClr val="bg2">
-              <a:lumMod val="25000"/>
-            </a:schemeClr>
+            <a:srgbClr val="B08A4B"/>
           </a:solidFill>
         </p:spPr>
         <p:style>
@@ -4527,7 +4511,7 @@
     <p:bg>
       <p:bgPr>
         <a:solidFill>
-          <a:srgbClr val="C00000"/>
+          <a:srgbClr val="821918"/>
         </a:solidFill>
         <a:effectLst/>
       </p:bgPr>
@@ -4567,9 +4551,7 @@
             <a:avLst/>
           </a:prstGeom>
           <a:solidFill>
-            <a:schemeClr val="bg2">
-              <a:lumMod val="25000"/>
-            </a:schemeClr>
+            <a:srgbClr val="B08A4B"/>
           </a:solidFill>
         </p:spPr>
         <p:style>
@@ -4618,9 +4600,7 @@
             <a:avLst/>
           </a:prstGeom>
           <a:solidFill>
-            <a:schemeClr val="bg2">
-              <a:lumMod val="25000"/>
-            </a:schemeClr>
+            <a:srgbClr val="B08A4B"/>
           </a:solidFill>
         </p:spPr>
         <p:style>
@@ -4885,7 +4865,7 @@
     <p:bg>
       <p:bgPr>
         <a:solidFill>
-          <a:srgbClr val="C00000"/>
+          <a:srgbClr val="821918"/>
         </a:solidFill>
         <a:effectLst/>
       </p:bgPr>
@@ -4925,9 +4905,7 @@
             <a:avLst/>
           </a:prstGeom>
           <a:solidFill>
-            <a:schemeClr val="bg2">
-              <a:lumMod val="25000"/>
-            </a:schemeClr>
+            <a:srgbClr val="B08A4B"/>
           </a:solidFill>
         </p:spPr>
         <p:style>
@@ -4976,9 +4954,7 @@
             <a:avLst/>
           </a:prstGeom>
           <a:solidFill>
-            <a:schemeClr val="bg2">
-              <a:lumMod val="25000"/>
-            </a:schemeClr>
+            <a:srgbClr val="B08A4B"/>
           </a:solidFill>
         </p:spPr>
         <p:style>
@@ -5129,7 +5105,7 @@
     <p:bg>
       <p:bgPr>
         <a:solidFill>
-          <a:srgbClr val="C00000"/>
+          <a:srgbClr val="821918"/>
         </a:solidFill>
         <a:effectLst/>
       </p:bgPr>
@@ -5169,9 +5145,7 @@
             <a:avLst/>
           </a:prstGeom>
           <a:solidFill>
-            <a:schemeClr val="bg2">
-              <a:lumMod val="25000"/>
-            </a:schemeClr>
+            <a:srgbClr val="B08A4B"/>
           </a:solidFill>
         </p:spPr>
         <p:style>
@@ -5220,9 +5194,7 @@
             <a:avLst/>
           </a:prstGeom>
           <a:solidFill>
-            <a:schemeClr val="bg2">
-              <a:lumMod val="25000"/>
-            </a:schemeClr>
+            <a:srgbClr val="B08A4B"/>
           </a:solidFill>
         </p:spPr>
         <p:style>
@@ -5265,14 +5237,14 @@
           <p:nvPr>
             <p:extLst>
               <p:ext uri="{D42A27DB-BD31-4B8C-83A1-F6EECF244321}">
-                <p14:modId xmlns:p14="http://schemas.microsoft.com/office/powerpoint/2010/main" val="3629330151"/>
+                <p14:modId xmlns:p14="http://schemas.microsoft.com/office/powerpoint/2010/main" val="906636094"/>
               </p:ext>
             </p:extLst>
           </p:nvPr>
         </p:nvGraphicFramePr>
         <p:xfrm>
           <a:off x="1518739" y="1151568"/>
-          <a:ext cx="9154521" cy="5103841"/>
+          <a:ext cx="9154521" cy="5103778"/>
         </p:xfrm>
         <a:graphic>
           <a:graphicData uri="http://schemas.openxmlformats.org/drawingml/2006/table">
@@ -5311,12 +5283,12 @@
                         </a:spcAft>
                       </a:pPr>
                       <a:r>
-                        <a:rPr lang="en-IN" sz="1400" kern="100">
+                        <a:rPr lang="en-IN" sz="1400" kern="100" dirty="0">
                           <a:effectLst/>
                         </a:rPr>
                         <a:t>Permission Name  </a:t>
                       </a:r>
-                      <a:endParaRPr lang="en-IN" sz="1400" kern="100">
+                      <a:endParaRPr lang="en-IN" sz="1400" kern="100" dirty="0">
                         <a:solidFill>
                           <a:srgbClr val="000000"/>
                         </a:solidFill>
@@ -5329,7 +5301,7 @@
                   </a:txBody>
                   <a:tcPr marL="67882" marR="72281" marT="60339" marB="0">
                     <a:solidFill>
-                      <a:srgbClr val="C00000"/>
+                      <a:srgbClr val="821918"/>
                     </a:solidFill>
                   </a:tcPr>
                 </a:tc>
@@ -5365,7 +5337,7 @@
                   </a:txBody>
                   <a:tcPr marL="67882" marR="72281" marT="60339" marB="0">
                     <a:solidFill>
-                      <a:srgbClr val="C00000"/>
+                      <a:srgbClr val="821918"/>
                     </a:solidFill>
                   </a:tcPr>
                 </a:tc>
@@ -5408,7 +5380,7 @@
                   </a:txBody>
                   <a:tcPr marL="67882" marR="72281" marT="60339" marB="0">
                     <a:solidFill>
-                      <a:srgbClr val="C00000"/>
+                      <a:srgbClr val="821918"/>
                     </a:solidFill>
                   </a:tcPr>
                 </a:tc>
@@ -5447,7 +5419,7 @@
                   </a:txBody>
                   <a:tcPr marL="67882" marR="72281" marT="60339" marB="0">
                     <a:solidFill>
-                      <a:srgbClr val="C00000"/>
+                      <a:srgbClr val="821918"/>
                     </a:solidFill>
                   </a:tcPr>
                 </a:tc>
@@ -5490,7 +5462,7 @@
                   </a:txBody>
                   <a:tcPr marL="67882" marR="72281" marT="60339" marB="0">
                     <a:solidFill>
-                      <a:srgbClr val="C00000"/>
+                      <a:srgbClr val="821918"/>
                     </a:solidFill>
                   </a:tcPr>
                 </a:tc>
@@ -5529,7 +5501,7 @@
                   </a:txBody>
                   <a:tcPr marL="67882" marR="72281" marT="60339" marB="0">
                     <a:solidFill>
-                      <a:srgbClr val="C00000"/>
+                      <a:srgbClr val="821918"/>
                     </a:solidFill>
                   </a:tcPr>
                 </a:tc>
@@ -5572,7 +5544,7 @@
                   </a:txBody>
                   <a:tcPr marL="67882" marR="72281" marT="60339" marB="0">
                     <a:solidFill>
-                      <a:srgbClr val="C00000"/>
+                      <a:srgbClr val="821918"/>
                     </a:solidFill>
                   </a:tcPr>
                 </a:tc>
@@ -5611,7 +5583,7 @@
                   </a:txBody>
                   <a:tcPr marL="67882" marR="72281" marT="60339" marB="0">
                     <a:solidFill>
-                      <a:srgbClr val="C00000"/>
+                      <a:srgbClr val="821918"/>
                     </a:solidFill>
                   </a:tcPr>
                 </a:tc>
@@ -5654,7 +5626,7 @@
                   </a:txBody>
                   <a:tcPr marL="67882" marR="72281" marT="60339" marB="0">
                     <a:solidFill>
-                      <a:srgbClr val="C00000"/>
+                      <a:srgbClr val="821918"/>
                     </a:solidFill>
                   </a:tcPr>
                 </a:tc>
@@ -5693,7 +5665,7 @@
                   </a:txBody>
                   <a:tcPr marL="67882" marR="72281" marT="60339" marB="0">
                     <a:solidFill>
-                      <a:srgbClr val="C00000"/>
+                      <a:srgbClr val="821918"/>
                     </a:solidFill>
                   </a:tcPr>
                 </a:tc>
@@ -5736,7 +5708,7 @@
                   </a:txBody>
                   <a:tcPr marL="67882" marR="72281" marT="60339" marB="0">
                     <a:solidFill>
-                      <a:srgbClr val="C00000"/>
+                      <a:srgbClr val="821918"/>
                     </a:solidFill>
                   </a:tcPr>
                 </a:tc>
@@ -5775,7 +5747,7 @@
                   </a:txBody>
                   <a:tcPr marL="67882" marR="72281" marT="60339" marB="0">
                     <a:solidFill>
-                      <a:srgbClr val="C00000"/>
+                      <a:srgbClr val="821918"/>
                     </a:solidFill>
                   </a:tcPr>
                 </a:tc>
@@ -5818,7 +5790,7 @@
                   </a:txBody>
                   <a:tcPr marL="67882" marR="72281" marT="60339" marB="0">
                     <a:solidFill>
-                      <a:srgbClr val="C00000"/>
+                      <a:srgbClr val="821918"/>
                     </a:solidFill>
                   </a:tcPr>
                 </a:tc>
@@ -5857,7 +5829,7 @@
                   </a:txBody>
                   <a:tcPr marL="67882" marR="72281" marT="60339" marB="0">
                     <a:solidFill>
-                      <a:srgbClr val="C00000"/>
+                      <a:srgbClr val="821918"/>
                     </a:solidFill>
                   </a:tcPr>
                 </a:tc>
@@ -5900,7 +5872,7 @@
                   </a:txBody>
                   <a:tcPr marL="67882" marR="72281" marT="60339" marB="0">
                     <a:solidFill>
-                      <a:srgbClr val="C00000"/>
+                      <a:srgbClr val="821918"/>
                     </a:solidFill>
                   </a:tcPr>
                 </a:tc>
@@ -5939,7 +5911,7 @@
                   </a:txBody>
                   <a:tcPr marL="67882" marR="72281" marT="60339" marB="0">
                     <a:solidFill>
-                      <a:srgbClr val="C00000"/>
+                      <a:srgbClr val="821918"/>
                     </a:solidFill>
                   </a:tcPr>
                 </a:tc>
@@ -5982,7 +5954,7 @@
                   </a:txBody>
                   <a:tcPr marL="67882" marR="72281" marT="60339" marB="0">
                     <a:solidFill>
-                      <a:srgbClr val="C00000"/>
+                      <a:srgbClr val="821918"/>
                     </a:solidFill>
                   </a:tcPr>
                 </a:tc>
@@ -6021,7 +5993,7 @@
                   </a:txBody>
                   <a:tcPr marL="67882" marR="72281" marT="60339" marB="0">
                     <a:solidFill>
-                      <a:srgbClr val="C00000"/>
+                      <a:srgbClr val="821918"/>
                     </a:solidFill>
                   </a:tcPr>
                 </a:tc>
@@ -6064,7 +6036,7 @@
                   </a:txBody>
                   <a:tcPr marL="67882" marR="72281" marT="60339" marB="0">
                     <a:solidFill>
-                      <a:srgbClr val="C00000"/>
+                      <a:srgbClr val="821918"/>
                     </a:solidFill>
                   </a:tcPr>
                 </a:tc>
@@ -6103,7 +6075,7 @@
                   </a:txBody>
                   <a:tcPr marL="67882" marR="72281" marT="60339" marB="0">
                     <a:solidFill>
-                      <a:srgbClr val="C00000"/>
+                      <a:srgbClr val="821918"/>
                     </a:solidFill>
                   </a:tcPr>
                 </a:tc>
@@ -6146,7 +6118,7 @@
                   </a:txBody>
                   <a:tcPr marL="67882" marR="72281" marT="60339" marB="0">
                     <a:solidFill>
-                      <a:srgbClr val="C00000"/>
+                      <a:srgbClr val="821918"/>
                     </a:solidFill>
                   </a:tcPr>
                 </a:tc>
@@ -6185,7 +6157,7 @@
                   </a:txBody>
                   <a:tcPr marL="67882" marR="72281" marT="60339" marB="0">
                     <a:solidFill>
-                      <a:srgbClr val="C00000"/>
+                      <a:srgbClr val="821918"/>
                     </a:solidFill>
                   </a:tcPr>
                 </a:tc>
@@ -6264,7 +6236,7 @@
     <p:bg>
       <p:bgPr>
         <a:solidFill>
-          <a:srgbClr val="C00000"/>
+          <a:srgbClr val="821918"/>
         </a:solidFill>
         <a:effectLst/>
       </p:bgPr>
@@ -6304,9 +6276,7 @@
             <a:avLst/>
           </a:prstGeom>
           <a:solidFill>
-            <a:schemeClr val="bg2">
-              <a:lumMod val="25000"/>
-            </a:schemeClr>
+            <a:srgbClr val="B08A4B"/>
           </a:solidFill>
         </p:spPr>
         <p:style>
@@ -6355,9 +6325,7 @@
             <a:avLst/>
           </a:prstGeom>
           <a:solidFill>
-            <a:schemeClr val="bg2">
-              <a:lumMod val="25000"/>
-            </a:schemeClr>
+            <a:srgbClr val="B08A4B"/>
           </a:solidFill>
         </p:spPr>
         <p:style>
@@ -7154,7 +7122,7 @@
     <p:bg>
       <p:bgPr>
         <a:solidFill>
-          <a:srgbClr val="C00000"/>
+          <a:srgbClr val="821918"/>
         </a:solidFill>
         <a:effectLst/>
       </p:bgPr>
@@ -7194,9 +7162,7 @@
             <a:avLst/>
           </a:prstGeom>
           <a:solidFill>
-            <a:schemeClr val="bg2">
-              <a:lumMod val="25000"/>
-            </a:schemeClr>
+            <a:srgbClr val="B08A4B"/>
           </a:solidFill>
         </p:spPr>
         <p:style>
@@ -7245,9 +7211,7 @@
             <a:avLst/>
           </a:prstGeom>
           <a:solidFill>
-            <a:schemeClr val="bg2">
-              <a:lumMod val="25000"/>
-            </a:schemeClr>
+            <a:srgbClr val="B08A4B"/>
           </a:solidFill>
         </p:spPr>
         <p:style>
@@ -7379,7 +7343,7 @@
     <p:bg>
       <p:bgPr>
         <a:solidFill>
-          <a:srgbClr val="C00000"/>
+          <a:srgbClr val="821918"/>
         </a:solidFill>
         <a:effectLst/>
       </p:bgPr>
@@ -7419,9 +7383,7 @@
             <a:avLst/>
           </a:prstGeom>
           <a:solidFill>
-            <a:schemeClr val="bg2">
-              <a:lumMod val="25000"/>
-            </a:schemeClr>
+            <a:srgbClr val="B08A4B"/>
           </a:solidFill>
         </p:spPr>
         <p:style>
@@ -7470,9 +7432,7 @@
             <a:avLst/>
           </a:prstGeom>
           <a:solidFill>
-            <a:schemeClr val="bg2">
-              <a:lumMod val="25000"/>
-            </a:schemeClr>
+            <a:srgbClr val="B08A4B"/>
           </a:solidFill>
         </p:spPr>
         <p:style>
